--- a/ppt 16-9/1147.生命河岸.pptx
+++ b/ppt 16-9/1147.生命河岸.pptx
@@ -129,7 +129,7 @@
           <p:cNvPr id="2" name="标题 1">
             <a:extLst>
               <a:ext uri="{FF2B5EF4-FFF2-40B4-BE49-F238E27FC236}">
-                <a16:creationId xmlns:a16="http://schemas.microsoft.com/office/drawing/2014/main" id="{BA8131B1-2436-8C7A-AF66-12316BF7E3C8}"/>
+                <a16:creationId xmlns:a16="http://schemas.microsoft.com/office/drawing/2014/main" id="{970C620F-3AFD-8153-98EE-57F4AC794B45}"/>
               </a:ext>
             </a:extLst>
           </p:cNvPr>
@@ -166,7 +166,7 @@
           <p:cNvPr id="3" name="副标题 2">
             <a:extLst>
               <a:ext uri="{FF2B5EF4-FFF2-40B4-BE49-F238E27FC236}">
-                <a16:creationId xmlns:a16="http://schemas.microsoft.com/office/drawing/2014/main" id="{7DDF4AE1-E0E1-4935-4036-9B1EFBD96850}"/>
+                <a16:creationId xmlns:a16="http://schemas.microsoft.com/office/drawing/2014/main" id="{78817E86-1CE2-8CBE-6C61-BE9733F95F76}"/>
               </a:ext>
             </a:extLst>
           </p:cNvPr>
@@ -236,7 +236,7 @@
           <p:cNvPr id="4" name="日期占位符 3">
             <a:extLst>
               <a:ext uri="{FF2B5EF4-FFF2-40B4-BE49-F238E27FC236}">
-                <a16:creationId xmlns:a16="http://schemas.microsoft.com/office/drawing/2014/main" id="{75A97AB9-756A-A3A8-CB74-DA93DB4E5A1D}"/>
+                <a16:creationId xmlns:a16="http://schemas.microsoft.com/office/drawing/2014/main" id="{A1766245-98E3-0DB2-8C29-CBEEE9BBC41A}"/>
               </a:ext>
             </a:extLst>
           </p:cNvPr>
@@ -252,7 +252,7 @@
           <a:bodyPr/>
           <a:lstStyle/>
           <a:p>
-            <a:fld id="{957E5216-9234-4D03-9440-26AF97B18E95}" type="datetimeFigureOut">
+            <a:fld id="{B5BA9EDA-731B-43CE-BB5D-22F0BFDA8998}" type="datetimeFigureOut">
               <a:rPr lang="zh-CN" altLang="en-US" smtClean="0"/>
               <a:t>2024/3/10</a:t>
             </a:fld>
@@ -265,7 +265,7 @@
           <p:cNvPr id="5" name="页脚占位符 4">
             <a:extLst>
               <a:ext uri="{FF2B5EF4-FFF2-40B4-BE49-F238E27FC236}">
-                <a16:creationId xmlns:a16="http://schemas.microsoft.com/office/drawing/2014/main" id="{0CB72E06-C39B-9018-6701-2CD713730903}"/>
+                <a16:creationId xmlns:a16="http://schemas.microsoft.com/office/drawing/2014/main" id="{8FF7A5F0-9C43-9044-207A-85605BC41065}"/>
               </a:ext>
             </a:extLst>
           </p:cNvPr>
@@ -290,7 +290,7 @@
           <p:cNvPr id="6" name="灯片编号占位符 5">
             <a:extLst>
               <a:ext uri="{FF2B5EF4-FFF2-40B4-BE49-F238E27FC236}">
-                <a16:creationId xmlns:a16="http://schemas.microsoft.com/office/drawing/2014/main" id="{A20B1156-5492-509F-B94B-4B6158A791D7}"/>
+                <a16:creationId xmlns:a16="http://schemas.microsoft.com/office/drawing/2014/main" id="{DEDBC04B-9BBD-DC03-4D87-468D0FB2BAE8}"/>
               </a:ext>
             </a:extLst>
           </p:cNvPr>
@@ -306,7 +306,7 @@
           <a:bodyPr/>
           <a:lstStyle/>
           <a:p>
-            <a:fld id="{F827FF89-DC4F-4B01-A0A0-83E9B24827DC}" type="slidenum">
+            <a:fld id="{7D86FAB3-742D-43FD-9C0B-7ADDD0E8BCF1}" type="slidenum">
               <a:rPr lang="zh-CN" altLang="en-US" smtClean="0"/>
               <a:t>‹#›</a:t>
             </a:fld>
@@ -317,7 +317,7 @@
     </p:spTree>
     <p:extLst>
       <p:ext uri="{BB962C8B-B14F-4D97-AF65-F5344CB8AC3E}">
-        <p14:creationId xmlns:p14="http://schemas.microsoft.com/office/powerpoint/2010/main" val="2750209330"/>
+        <p14:creationId xmlns:p14="http://schemas.microsoft.com/office/powerpoint/2010/main" val="838668475"/>
       </p:ext>
     </p:extLst>
   </p:cSld>
@@ -349,7 +349,7 @@
           <p:cNvPr id="2" name="标题 1">
             <a:extLst>
               <a:ext uri="{FF2B5EF4-FFF2-40B4-BE49-F238E27FC236}">
-                <a16:creationId xmlns:a16="http://schemas.microsoft.com/office/drawing/2014/main" id="{23BD3011-2384-7441-4352-50DFA2C0FE05}"/>
+                <a16:creationId xmlns:a16="http://schemas.microsoft.com/office/drawing/2014/main" id="{BE5D1F86-3B3E-8405-976E-60D292B5146C}"/>
               </a:ext>
             </a:extLst>
           </p:cNvPr>
@@ -377,7 +377,7 @@
           <p:cNvPr id="3" name="竖排文字占位符 2">
             <a:extLst>
               <a:ext uri="{FF2B5EF4-FFF2-40B4-BE49-F238E27FC236}">
-                <a16:creationId xmlns:a16="http://schemas.microsoft.com/office/drawing/2014/main" id="{91920E7B-39CA-B539-9888-B81812DB2FE5}"/>
+                <a16:creationId xmlns:a16="http://schemas.microsoft.com/office/drawing/2014/main" id="{18D896C6-A3C4-A0BE-237A-4B3F212DFFC5}"/>
               </a:ext>
             </a:extLst>
           </p:cNvPr>
@@ -434,7 +434,7 @@
           <p:cNvPr id="4" name="日期占位符 3">
             <a:extLst>
               <a:ext uri="{FF2B5EF4-FFF2-40B4-BE49-F238E27FC236}">
-                <a16:creationId xmlns:a16="http://schemas.microsoft.com/office/drawing/2014/main" id="{D3BC156F-8F6B-2DB5-0319-72917B74091A}"/>
+                <a16:creationId xmlns:a16="http://schemas.microsoft.com/office/drawing/2014/main" id="{854D8371-3493-D646-4250-9EF42742D504}"/>
               </a:ext>
             </a:extLst>
           </p:cNvPr>
@@ -450,7 +450,7 @@
           <a:bodyPr/>
           <a:lstStyle/>
           <a:p>
-            <a:fld id="{957E5216-9234-4D03-9440-26AF97B18E95}" type="datetimeFigureOut">
+            <a:fld id="{B5BA9EDA-731B-43CE-BB5D-22F0BFDA8998}" type="datetimeFigureOut">
               <a:rPr lang="zh-CN" altLang="en-US" smtClean="0"/>
               <a:t>2024/3/10</a:t>
             </a:fld>
@@ -463,7 +463,7 @@
           <p:cNvPr id="5" name="页脚占位符 4">
             <a:extLst>
               <a:ext uri="{FF2B5EF4-FFF2-40B4-BE49-F238E27FC236}">
-                <a16:creationId xmlns:a16="http://schemas.microsoft.com/office/drawing/2014/main" id="{BAA810A0-B6C8-BD22-F593-E880F7AD6F73}"/>
+                <a16:creationId xmlns:a16="http://schemas.microsoft.com/office/drawing/2014/main" id="{C53FF1AB-0766-80DB-2E25-764DB28C25E2}"/>
               </a:ext>
             </a:extLst>
           </p:cNvPr>
@@ -488,7 +488,7 @@
           <p:cNvPr id="6" name="灯片编号占位符 5">
             <a:extLst>
               <a:ext uri="{FF2B5EF4-FFF2-40B4-BE49-F238E27FC236}">
-                <a16:creationId xmlns:a16="http://schemas.microsoft.com/office/drawing/2014/main" id="{9625C09A-FDA5-3DAB-7AA1-7210A258487D}"/>
+                <a16:creationId xmlns:a16="http://schemas.microsoft.com/office/drawing/2014/main" id="{2566C8C9-F74C-1132-6FB5-8177D45B3310}"/>
               </a:ext>
             </a:extLst>
           </p:cNvPr>
@@ -504,7 +504,7 @@
           <a:bodyPr/>
           <a:lstStyle/>
           <a:p>
-            <a:fld id="{F827FF89-DC4F-4B01-A0A0-83E9B24827DC}" type="slidenum">
+            <a:fld id="{7D86FAB3-742D-43FD-9C0B-7ADDD0E8BCF1}" type="slidenum">
               <a:rPr lang="zh-CN" altLang="en-US" smtClean="0"/>
               <a:t>‹#›</a:t>
             </a:fld>
@@ -515,7 +515,7 @@
     </p:spTree>
     <p:extLst>
       <p:ext uri="{BB962C8B-B14F-4D97-AF65-F5344CB8AC3E}">
-        <p14:creationId xmlns:p14="http://schemas.microsoft.com/office/powerpoint/2010/main" val="3890303629"/>
+        <p14:creationId xmlns:p14="http://schemas.microsoft.com/office/powerpoint/2010/main" val="756089327"/>
       </p:ext>
     </p:extLst>
   </p:cSld>
@@ -547,7 +547,7 @@
           <p:cNvPr id="2" name="竖排标题 1">
             <a:extLst>
               <a:ext uri="{FF2B5EF4-FFF2-40B4-BE49-F238E27FC236}">
-                <a16:creationId xmlns:a16="http://schemas.microsoft.com/office/drawing/2014/main" id="{E7645C20-DD13-1B97-0D0D-3D606447173B}"/>
+                <a16:creationId xmlns:a16="http://schemas.microsoft.com/office/drawing/2014/main" id="{D37ED950-DA65-D316-DCF8-1C6BB9D64AE6}"/>
               </a:ext>
             </a:extLst>
           </p:cNvPr>
@@ -580,7 +580,7 @@
           <p:cNvPr id="3" name="竖排文字占位符 2">
             <a:extLst>
               <a:ext uri="{FF2B5EF4-FFF2-40B4-BE49-F238E27FC236}">
-                <a16:creationId xmlns:a16="http://schemas.microsoft.com/office/drawing/2014/main" id="{E51034BB-6614-D415-0040-980372025A9B}"/>
+                <a16:creationId xmlns:a16="http://schemas.microsoft.com/office/drawing/2014/main" id="{F93F0C5D-B65A-3AE9-0324-899F2A88A6A4}"/>
               </a:ext>
             </a:extLst>
           </p:cNvPr>
@@ -642,7 +642,7 @@
           <p:cNvPr id="4" name="日期占位符 3">
             <a:extLst>
               <a:ext uri="{FF2B5EF4-FFF2-40B4-BE49-F238E27FC236}">
-                <a16:creationId xmlns:a16="http://schemas.microsoft.com/office/drawing/2014/main" id="{4020E303-DDAB-75F1-B730-81FD1CE6F12B}"/>
+                <a16:creationId xmlns:a16="http://schemas.microsoft.com/office/drawing/2014/main" id="{4FB74927-D578-A156-F279-F993D2D92E89}"/>
               </a:ext>
             </a:extLst>
           </p:cNvPr>
@@ -658,7 +658,7 @@
           <a:bodyPr/>
           <a:lstStyle/>
           <a:p>
-            <a:fld id="{957E5216-9234-4D03-9440-26AF97B18E95}" type="datetimeFigureOut">
+            <a:fld id="{B5BA9EDA-731B-43CE-BB5D-22F0BFDA8998}" type="datetimeFigureOut">
               <a:rPr lang="zh-CN" altLang="en-US" smtClean="0"/>
               <a:t>2024/3/10</a:t>
             </a:fld>
@@ -671,7 +671,7 @@
           <p:cNvPr id="5" name="页脚占位符 4">
             <a:extLst>
               <a:ext uri="{FF2B5EF4-FFF2-40B4-BE49-F238E27FC236}">
-                <a16:creationId xmlns:a16="http://schemas.microsoft.com/office/drawing/2014/main" id="{C78FE6BB-E44B-EEC8-EB66-F0256F9621C1}"/>
+                <a16:creationId xmlns:a16="http://schemas.microsoft.com/office/drawing/2014/main" id="{CF18C97E-399D-69C5-5253-45087C139BB7}"/>
               </a:ext>
             </a:extLst>
           </p:cNvPr>
@@ -696,7 +696,7 @@
           <p:cNvPr id="6" name="灯片编号占位符 5">
             <a:extLst>
               <a:ext uri="{FF2B5EF4-FFF2-40B4-BE49-F238E27FC236}">
-                <a16:creationId xmlns:a16="http://schemas.microsoft.com/office/drawing/2014/main" id="{489A8EA2-3BCA-B829-23FE-6CC2C31EABB5}"/>
+                <a16:creationId xmlns:a16="http://schemas.microsoft.com/office/drawing/2014/main" id="{D3ACED35-7222-94DF-DBFD-177E5C8C6398}"/>
               </a:ext>
             </a:extLst>
           </p:cNvPr>
@@ -712,7 +712,7 @@
           <a:bodyPr/>
           <a:lstStyle/>
           <a:p>
-            <a:fld id="{F827FF89-DC4F-4B01-A0A0-83E9B24827DC}" type="slidenum">
+            <a:fld id="{7D86FAB3-742D-43FD-9C0B-7ADDD0E8BCF1}" type="slidenum">
               <a:rPr lang="zh-CN" altLang="en-US" smtClean="0"/>
               <a:t>‹#›</a:t>
             </a:fld>
@@ -723,7 +723,7 @@
     </p:spTree>
     <p:extLst>
       <p:ext uri="{BB962C8B-B14F-4D97-AF65-F5344CB8AC3E}">
-        <p14:creationId xmlns:p14="http://schemas.microsoft.com/office/powerpoint/2010/main" val="1163777384"/>
+        <p14:creationId xmlns:p14="http://schemas.microsoft.com/office/powerpoint/2010/main" val="1226550081"/>
       </p:ext>
     </p:extLst>
   </p:cSld>
@@ -755,7 +755,7 @@
           <p:cNvPr id="2" name="标题 1">
             <a:extLst>
               <a:ext uri="{FF2B5EF4-FFF2-40B4-BE49-F238E27FC236}">
-                <a16:creationId xmlns:a16="http://schemas.microsoft.com/office/drawing/2014/main" id="{71C53844-239E-DB58-BCB5-65A20EB66982}"/>
+                <a16:creationId xmlns:a16="http://schemas.microsoft.com/office/drawing/2014/main" id="{4C08476F-4422-05C8-55DC-BF092789B32D}"/>
               </a:ext>
             </a:extLst>
           </p:cNvPr>
@@ -783,7 +783,7 @@
           <p:cNvPr id="3" name="内容占位符 2">
             <a:extLst>
               <a:ext uri="{FF2B5EF4-FFF2-40B4-BE49-F238E27FC236}">
-                <a16:creationId xmlns:a16="http://schemas.microsoft.com/office/drawing/2014/main" id="{F83A75C7-44F9-9E2A-EAC6-18ACEE2D3B1A}"/>
+                <a16:creationId xmlns:a16="http://schemas.microsoft.com/office/drawing/2014/main" id="{6DE79416-E795-288F-7A73-544008C17657}"/>
               </a:ext>
             </a:extLst>
           </p:cNvPr>
@@ -840,7 +840,7 @@
           <p:cNvPr id="4" name="日期占位符 3">
             <a:extLst>
               <a:ext uri="{FF2B5EF4-FFF2-40B4-BE49-F238E27FC236}">
-                <a16:creationId xmlns:a16="http://schemas.microsoft.com/office/drawing/2014/main" id="{84994557-FED1-64DC-1D4B-6EA30726E0F4}"/>
+                <a16:creationId xmlns:a16="http://schemas.microsoft.com/office/drawing/2014/main" id="{AD8B445E-1BB1-3DDD-29F5-E17E18B36C15}"/>
               </a:ext>
             </a:extLst>
           </p:cNvPr>
@@ -856,7 +856,7 @@
           <a:bodyPr/>
           <a:lstStyle/>
           <a:p>
-            <a:fld id="{957E5216-9234-4D03-9440-26AF97B18E95}" type="datetimeFigureOut">
+            <a:fld id="{B5BA9EDA-731B-43CE-BB5D-22F0BFDA8998}" type="datetimeFigureOut">
               <a:rPr lang="zh-CN" altLang="en-US" smtClean="0"/>
               <a:t>2024/3/10</a:t>
             </a:fld>
@@ -869,7 +869,7 @@
           <p:cNvPr id="5" name="页脚占位符 4">
             <a:extLst>
               <a:ext uri="{FF2B5EF4-FFF2-40B4-BE49-F238E27FC236}">
-                <a16:creationId xmlns:a16="http://schemas.microsoft.com/office/drawing/2014/main" id="{5D01A33C-75DF-FBB0-6A3E-BCAED90F174E}"/>
+                <a16:creationId xmlns:a16="http://schemas.microsoft.com/office/drawing/2014/main" id="{6FEA1713-F3EE-E5CC-2434-BD99BACCECBB}"/>
               </a:ext>
             </a:extLst>
           </p:cNvPr>
@@ -894,7 +894,7 @@
           <p:cNvPr id="6" name="灯片编号占位符 5">
             <a:extLst>
               <a:ext uri="{FF2B5EF4-FFF2-40B4-BE49-F238E27FC236}">
-                <a16:creationId xmlns:a16="http://schemas.microsoft.com/office/drawing/2014/main" id="{B5F2877A-363E-186F-C16A-CD0A46994D7E}"/>
+                <a16:creationId xmlns:a16="http://schemas.microsoft.com/office/drawing/2014/main" id="{BE664292-BCCD-E659-CC51-E8CEAF011504}"/>
               </a:ext>
             </a:extLst>
           </p:cNvPr>
@@ -910,7 +910,7 @@
           <a:bodyPr/>
           <a:lstStyle/>
           <a:p>
-            <a:fld id="{F827FF89-DC4F-4B01-A0A0-83E9B24827DC}" type="slidenum">
+            <a:fld id="{7D86FAB3-742D-43FD-9C0B-7ADDD0E8BCF1}" type="slidenum">
               <a:rPr lang="zh-CN" altLang="en-US" smtClean="0"/>
               <a:t>‹#›</a:t>
             </a:fld>
@@ -921,7 +921,7 @@
     </p:spTree>
     <p:extLst>
       <p:ext uri="{BB962C8B-B14F-4D97-AF65-F5344CB8AC3E}">
-        <p14:creationId xmlns:p14="http://schemas.microsoft.com/office/powerpoint/2010/main" val="2603873469"/>
+        <p14:creationId xmlns:p14="http://schemas.microsoft.com/office/powerpoint/2010/main" val="3728114498"/>
       </p:ext>
     </p:extLst>
   </p:cSld>
@@ -953,7 +953,7 @@
           <p:cNvPr id="2" name="标题 1">
             <a:extLst>
               <a:ext uri="{FF2B5EF4-FFF2-40B4-BE49-F238E27FC236}">
-                <a16:creationId xmlns:a16="http://schemas.microsoft.com/office/drawing/2014/main" id="{D6EB6DEA-F15A-B829-3066-A26A75B24A71}"/>
+                <a16:creationId xmlns:a16="http://schemas.microsoft.com/office/drawing/2014/main" id="{D72A3D0A-2948-B684-AF1D-2C58C2B56B58}"/>
               </a:ext>
             </a:extLst>
           </p:cNvPr>
@@ -990,7 +990,7 @@
           <p:cNvPr id="3" name="文本占位符 2">
             <a:extLst>
               <a:ext uri="{FF2B5EF4-FFF2-40B4-BE49-F238E27FC236}">
-                <a16:creationId xmlns:a16="http://schemas.microsoft.com/office/drawing/2014/main" id="{11BD3183-A6AB-97AC-3AD3-F09D53175E59}"/>
+                <a16:creationId xmlns:a16="http://schemas.microsoft.com/office/drawing/2014/main" id="{58EF99DC-9EAD-6959-9D59-0AE5C0A0FAD8}"/>
               </a:ext>
             </a:extLst>
           </p:cNvPr>
@@ -1115,7 +1115,7 @@
           <p:cNvPr id="4" name="日期占位符 3">
             <a:extLst>
               <a:ext uri="{FF2B5EF4-FFF2-40B4-BE49-F238E27FC236}">
-                <a16:creationId xmlns:a16="http://schemas.microsoft.com/office/drawing/2014/main" id="{6D782E9A-F8ED-3C7D-6B3F-CD81459EC1B6}"/>
+                <a16:creationId xmlns:a16="http://schemas.microsoft.com/office/drawing/2014/main" id="{A5493E3B-C6A9-6C84-0F59-D411BCDAA17C}"/>
               </a:ext>
             </a:extLst>
           </p:cNvPr>
@@ -1131,7 +1131,7 @@
           <a:bodyPr/>
           <a:lstStyle/>
           <a:p>
-            <a:fld id="{957E5216-9234-4D03-9440-26AF97B18E95}" type="datetimeFigureOut">
+            <a:fld id="{B5BA9EDA-731B-43CE-BB5D-22F0BFDA8998}" type="datetimeFigureOut">
               <a:rPr lang="zh-CN" altLang="en-US" smtClean="0"/>
               <a:t>2024/3/10</a:t>
             </a:fld>
@@ -1144,7 +1144,7 @@
           <p:cNvPr id="5" name="页脚占位符 4">
             <a:extLst>
               <a:ext uri="{FF2B5EF4-FFF2-40B4-BE49-F238E27FC236}">
-                <a16:creationId xmlns:a16="http://schemas.microsoft.com/office/drawing/2014/main" id="{D19F20AD-D314-3744-2E7C-D80A9012F6A2}"/>
+                <a16:creationId xmlns:a16="http://schemas.microsoft.com/office/drawing/2014/main" id="{85896AEA-C67B-9E39-0C14-E40664551CA8}"/>
               </a:ext>
             </a:extLst>
           </p:cNvPr>
@@ -1169,7 +1169,7 @@
           <p:cNvPr id="6" name="灯片编号占位符 5">
             <a:extLst>
               <a:ext uri="{FF2B5EF4-FFF2-40B4-BE49-F238E27FC236}">
-                <a16:creationId xmlns:a16="http://schemas.microsoft.com/office/drawing/2014/main" id="{45007C4D-6EF3-0980-C3EC-5FF8A9491A23}"/>
+                <a16:creationId xmlns:a16="http://schemas.microsoft.com/office/drawing/2014/main" id="{7AFAB039-9670-C378-B6E4-CE5F616B3CF3}"/>
               </a:ext>
             </a:extLst>
           </p:cNvPr>
@@ -1185,7 +1185,7 @@
           <a:bodyPr/>
           <a:lstStyle/>
           <a:p>
-            <a:fld id="{F827FF89-DC4F-4B01-A0A0-83E9B24827DC}" type="slidenum">
+            <a:fld id="{7D86FAB3-742D-43FD-9C0B-7ADDD0E8BCF1}" type="slidenum">
               <a:rPr lang="zh-CN" altLang="en-US" smtClean="0"/>
               <a:t>‹#›</a:t>
             </a:fld>
@@ -1196,7 +1196,7 @@
     </p:spTree>
     <p:extLst>
       <p:ext uri="{BB962C8B-B14F-4D97-AF65-F5344CB8AC3E}">
-        <p14:creationId xmlns:p14="http://schemas.microsoft.com/office/powerpoint/2010/main" val="3329922356"/>
+        <p14:creationId xmlns:p14="http://schemas.microsoft.com/office/powerpoint/2010/main" val="2795237398"/>
       </p:ext>
     </p:extLst>
   </p:cSld>
@@ -1228,7 +1228,7 @@
           <p:cNvPr id="2" name="标题 1">
             <a:extLst>
               <a:ext uri="{FF2B5EF4-FFF2-40B4-BE49-F238E27FC236}">
-                <a16:creationId xmlns:a16="http://schemas.microsoft.com/office/drawing/2014/main" id="{3FD7708F-C908-9F9E-8722-2E8862B9111C}"/>
+                <a16:creationId xmlns:a16="http://schemas.microsoft.com/office/drawing/2014/main" id="{CBFF55C2-EBAE-EE5E-EF96-25D8C370B713}"/>
               </a:ext>
             </a:extLst>
           </p:cNvPr>
@@ -1256,7 +1256,7 @@
           <p:cNvPr id="3" name="内容占位符 2">
             <a:extLst>
               <a:ext uri="{FF2B5EF4-FFF2-40B4-BE49-F238E27FC236}">
-                <a16:creationId xmlns:a16="http://schemas.microsoft.com/office/drawing/2014/main" id="{AACB4E38-BC8B-C8FB-12C9-5BF0AD1F6BE0}"/>
+                <a16:creationId xmlns:a16="http://schemas.microsoft.com/office/drawing/2014/main" id="{EB1CBD82-37C3-5375-2E09-5A3BCC052BA4}"/>
               </a:ext>
             </a:extLst>
           </p:cNvPr>
@@ -1318,7 +1318,7 @@
           <p:cNvPr id="4" name="内容占位符 3">
             <a:extLst>
               <a:ext uri="{FF2B5EF4-FFF2-40B4-BE49-F238E27FC236}">
-                <a16:creationId xmlns:a16="http://schemas.microsoft.com/office/drawing/2014/main" id="{C3641C15-40E5-FC85-56B6-BE5A6D65A006}"/>
+                <a16:creationId xmlns:a16="http://schemas.microsoft.com/office/drawing/2014/main" id="{B3D07CF6-6984-25A7-C721-AEB77FADDAC7}"/>
               </a:ext>
             </a:extLst>
           </p:cNvPr>
@@ -1380,7 +1380,7 @@
           <p:cNvPr id="5" name="日期占位符 4">
             <a:extLst>
               <a:ext uri="{FF2B5EF4-FFF2-40B4-BE49-F238E27FC236}">
-                <a16:creationId xmlns:a16="http://schemas.microsoft.com/office/drawing/2014/main" id="{34EA30BE-5263-CA4A-91D5-82008BFD468E}"/>
+                <a16:creationId xmlns:a16="http://schemas.microsoft.com/office/drawing/2014/main" id="{97B24A9B-8D16-CAE5-C8EF-E9F6D4668755}"/>
               </a:ext>
             </a:extLst>
           </p:cNvPr>
@@ -1396,7 +1396,7 @@
           <a:bodyPr/>
           <a:lstStyle/>
           <a:p>
-            <a:fld id="{957E5216-9234-4D03-9440-26AF97B18E95}" type="datetimeFigureOut">
+            <a:fld id="{B5BA9EDA-731B-43CE-BB5D-22F0BFDA8998}" type="datetimeFigureOut">
               <a:rPr lang="zh-CN" altLang="en-US" smtClean="0"/>
               <a:t>2024/3/10</a:t>
             </a:fld>
@@ -1409,7 +1409,7 @@
           <p:cNvPr id="6" name="页脚占位符 5">
             <a:extLst>
               <a:ext uri="{FF2B5EF4-FFF2-40B4-BE49-F238E27FC236}">
-                <a16:creationId xmlns:a16="http://schemas.microsoft.com/office/drawing/2014/main" id="{8AF7F701-71EA-3554-ABB7-94BAE0D41513}"/>
+                <a16:creationId xmlns:a16="http://schemas.microsoft.com/office/drawing/2014/main" id="{B85E2EAD-8DB3-D9C5-2BC5-981ED964727F}"/>
               </a:ext>
             </a:extLst>
           </p:cNvPr>
@@ -1434,7 +1434,7 @@
           <p:cNvPr id="7" name="灯片编号占位符 6">
             <a:extLst>
               <a:ext uri="{FF2B5EF4-FFF2-40B4-BE49-F238E27FC236}">
-                <a16:creationId xmlns:a16="http://schemas.microsoft.com/office/drawing/2014/main" id="{1A7FD125-C2FB-ED41-21A3-3C97288427B3}"/>
+                <a16:creationId xmlns:a16="http://schemas.microsoft.com/office/drawing/2014/main" id="{1A831616-9B61-0372-CB66-0489D3EFD4A6}"/>
               </a:ext>
             </a:extLst>
           </p:cNvPr>
@@ -1450,7 +1450,7 @@
           <a:bodyPr/>
           <a:lstStyle/>
           <a:p>
-            <a:fld id="{F827FF89-DC4F-4B01-A0A0-83E9B24827DC}" type="slidenum">
+            <a:fld id="{7D86FAB3-742D-43FD-9C0B-7ADDD0E8BCF1}" type="slidenum">
               <a:rPr lang="zh-CN" altLang="en-US" smtClean="0"/>
               <a:t>‹#›</a:t>
             </a:fld>
@@ -1461,7 +1461,7 @@
     </p:spTree>
     <p:extLst>
       <p:ext uri="{BB962C8B-B14F-4D97-AF65-F5344CB8AC3E}">
-        <p14:creationId xmlns:p14="http://schemas.microsoft.com/office/powerpoint/2010/main" val="3981303682"/>
+        <p14:creationId xmlns:p14="http://schemas.microsoft.com/office/powerpoint/2010/main" val="2220687997"/>
       </p:ext>
     </p:extLst>
   </p:cSld>
@@ -1493,7 +1493,7 @@
           <p:cNvPr id="2" name="标题 1">
             <a:extLst>
               <a:ext uri="{FF2B5EF4-FFF2-40B4-BE49-F238E27FC236}">
-                <a16:creationId xmlns:a16="http://schemas.microsoft.com/office/drawing/2014/main" id="{92344B71-54A3-91B7-2653-13D239272844}"/>
+                <a16:creationId xmlns:a16="http://schemas.microsoft.com/office/drawing/2014/main" id="{81860656-BA64-C23C-97AE-25D330E1FFF1}"/>
               </a:ext>
             </a:extLst>
           </p:cNvPr>
@@ -1526,7 +1526,7 @@
           <p:cNvPr id="3" name="文本占位符 2">
             <a:extLst>
               <a:ext uri="{FF2B5EF4-FFF2-40B4-BE49-F238E27FC236}">
-                <a16:creationId xmlns:a16="http://schemas.microsoft.com/office/drawing/2014/main" id="{50FFCE42-19E8-11C7-A46A-E7FF0365C6E3}"/>
+                <a16:creationId xmlns:a16="http://schemas.microsoft.com/office/drawing/2014/main" id="{C1E84F12-7B40-C6B3-B044-9A3AF28308CB}"/>
               </a:ext>
             </a:extLst>
           </p:cNvPr>
@@ -1597,7 +1597,7 @@
           <p:cNvPr id="4" name="内容占位符 3">
             <a:extLst>
               <a:ext uri="{FF2B5EF4-FFF2-40B4-BE49-F238E27FC236}">
-                <a16:creationId xmlns:a16="http://schemas.microsoft.com/office/drawing/2014/main" id="{41BB47DE-32E8-6295-B68E-E9F4FBEBFDDE}"/>
+                <a16:creationId xmlns:a16="http://schemas.microsoft.com/office/drawing/2014/main" id="{6BB6209F-45AE-B1DA-CB09-A0FFA4D8A8C1}"/>
               </a:ext>
             </a:extLst>
           </p:cNvPr>
@@ -1659,7 +1659,7 @@
           <p:cNvPr id="5" name="文本占位符 4">
             <a:extLst>
               <a:ext uri="{FF2B5EF4-FFF2-40B4-BE49-F238E27FC236}">
-                <a16:creationId xmlns:a16="http://schemas.microsoft.com/office/drawing/2014/main" id="{7617561D-0B88-3144-E3B7-FE5D82E1CE66}"/>
+                <a16:creationId xmlns:a16="http://schemas.microsoft.com/office/drawing/2014/main" id="{5C6E1308-9576-8A3C-3C2A-389A60FF6D03}"/>
               </a:ext>
             </a:extLst>
           </p:cNvPr>
@@ -1730,7 +1730,7 @@
           <p:cNvPr id="6" name="内容占位符 5">
             <a:extLst>
               <a:ext uri="{FF2B5EF4-FFF2-40B4-BE49-F238E27FC236}">
-                <a16:creationId xmlns:a16="http://schemas.microsoft.com/office/drawing/2014/main" id="{75D20522-2C43-92ED-3B99-4E04982D5D65}"/>
+                <a16:creationId xmlns:a16="http://schemas.microsoft.com/office/drawing/2014/main" id="{CB6A1207-5CD2-B37E-3F6D-7B9AB057D8F8}"/>
               </a:ext>
             </a:extLst>
           </p:cNvPr>
@@ -1792,7 +1792,7 @@
           <p:cNvPr id="7" name="日期占位符 6">
             <a:extLst>
               <a:ext uri="{FF2B5EF4-FFF2-40B4-BE49-F238E27FC236}">
-                <a16:creationId xmlns:a16="http://schemas.microsoft.com/office/drawing/2014/main" id="{90CDCD58-1BE5-867C-6CA7-A20D1B148350}"/>
+                <a16:creationId xmlns:a16="http://schemas.microsoft.com/office/drawing/2014/main" id="{5F3D4827-1318-37FC-78F9-1E8D2F14840E}"/>
               </a:ext>
             </a:extLst>
           </p:cNvPr>
@@ -1808,7 +1808,7 @@
           <a:bodyPr/>
           <a:lstStyle/>
           <a:p>
-            <a:fld id="{957E5216-9234-4D03-9440-26AF97B18E95}" type="datetimeFigureOut">
+            <a:fld id="{B5BA9EDA-731B-43CE-BB5D-22F0BFDA8998}" type="datetimeFigureOut">
               <a:rPr lang="zh-CN" altLang="en-US" smtClean="0"/>
               <a:t>2024/3/10</a:t>
             </a:fld>
@@ -1821,7 +1821,7 @@
           <p:cNvPr id="8" name="页脚占位符 7">
             <a:extLst>
               <a:ext uri="{FF2B5EF4-FFF2-40B4-BE49-F238E27FC236}">
-                <a16:creationId xmlns:a16="http://schemas.microsoft.com/office/drawing/2014/main" id="{A1BE8A73-986A-6FE7-A994-9E321E92A85F}"/>
+                <a16:creationId xmlns:a16="http://schemas.microsoft.com/office/drawing/2014/main" id="{681C01D4-1160-7B40-8DE6-FDBED76E1DA1}"/>
               </a:ext>
             </a:extLst>
           </p:cNvPr>
@@ -1846,7 +1846,7 @@
           <p:cNvPr id="9" name="灯片编号占位符 8">
             <a:extLst>
               <a:ext uri="{FF2B5EF4-FFF2-40B4-BE49-F238E27FC236}">
-                <a16:creationId xmlns:a16="http://schemas.microsoft.com/office/drawing/2014/main" id="{1ECB8E84-D645-6A6D-52BF-C07ADD8DE6AB}"/>
+                <a16:creationId xmlns:a16="http://schemas.microsoft.com/office/drawing/2014/main" id="{7D7D51D9-2A28-F857-D6CB-1ADCA970A384}"/>
               </a:ext>
             </a:extLst>
           </p:cNvPr>
@@ -1862,7 +1862,7 @@
           <a:bodyPr/>
           <a:lstStyle/>
           <a:p>
-            <a:fld id="{F827FF89-DC4F-4B01-A0A0-83E9B24827DC}" type="slidenum">
+            <a:fld id="{7D86FAB3-742D-43FD-9C0B-7ADDD0E8BCF1}" type="slidenum">
               <a:rPr lang="zh-CN" altLang="en-US" smtClean="0"/>
               <a:t>‹#›</a:t>
             </a:fld>
@@ -1873,7 +1873,7 @@
     </p:spTree>
     <p:extLst>
       <p:ext uri="{BB962C8B-B14F-4D97-AF65-F5344CB8AC3E}">
-        <p14:creationId xmlns:p14="http://schemas.microsoft.com/office/powerpoint/2010/main" val="2755006568"/>
+        <p14:creationId xmlns:p14="http://schemas.microsoft.com/office/powerpoint/2010/main" val="3755991825"/>
       </p:ext>
     </p:extLst>
   </p:cSld>
@@ -1905,7 +1905,7 @@
           <p:cNvPr id="2" name="标题 1">
             <a:extLst>
               <a:ext uri="{FF2B5EF4-FFF2-40B4-BE49-F238E27FC236}">
-                <a16:creationId xmlns:a16="http://schemas.microsoft.com/office/drawing/2014/main" id="{CFEEC083-12D3-883D-20B3-8337552BD8B4}"/>
+                <a16:creationId xmlns:a16="http://schemas.microsoft.com/office/drawing/2014/main" id="{6A88CC04-A3C2-5941-7EE9-C537E7827282}"/>
               </a:ext>
             </a:extLst>
           </p:cNvPr>
@@ -1933,7 +1933,7 @@
           <p:cNvPr id="3" name="日期占位符 2">
             <a:extLst>
               <a:ext uri="{FF2B5EF4-FFF2-40B4-BE49-F238E27FC236}">
-                <a16:creationId xmlns:a16="http://schemas.microsoft.com/office/drawing/2014/main" id="{E3E99EE5-BB0E-86CA-F968-D830DD064A64}"/>
+                <a16:creationId xmlns:a16="http://schemas.microsoft.com/office/drawing/2014/main" id="{DF5CE95A-5B13-D9FB-8463-49B4E86F4B28}"/>
               </a:ext>
             </a:extLst>
           </p:cNvPr>
@@ -1949,7 +1949,7 @@
           <a:bodyPr/>
           <a:lstStyle/>
           <a:p>
-            <a:fld id="{957E5216-9234-4D03-9440-26AF97B18E95}" type="datetimeFigureOut">
+            <a:fld id="{B5BA9EDA-731B-43CE-BB5D-22F0BFDA8998}" type="datetimeFigureOut">
               <a:rPr lang="zh-CN" altLang="en-US" smtClean="0"/>
               <a:t>2024/3/10</a:t>
             </a:fld>
@@ -1962,7 +1962,7 @@
           <p:cNvPr id="4" name="页脚占位符 3">
             <a:extLst>
               <a:ext uri="{FF2B5EF4-FFF2-40B4-BE49-F238E27FC236}">
-                <a16:creationId xmlns:a16="http://schemas.microsoft.com/office/drawing/2014/main" id="{36287B77-7F7A-63BD-B5D9-D835F42F2890}"/>
+                <a16:creationId xmlns:a16="http://schemas.microsoft.com/office/drawing/2014/main" id="{EF1D0BF2-FC47-D9FD-91EB-EFAD85B7BC04}"/>
               </a:ext>
             </a:extLst>
           </p:cNvPr>
@@ -1987,7 +1987,7 @@
           <p:cNvPr id="5" name="灯片编号占位符 4">
             <a:extLst>
               <a:ext uri="{FF2B5EF4-FFF2-40B4-BE49-F238E27FC236}">
-                <a16:creationId xmlns:a16="http://schemas.microsoft.com/office/drawing/2014/main" id="{A35F3DBA-B2F7-31E4-5694-3BF67DB5B261}"/>
+                <a16:creationId xmlns:a16="http://schemas.microsoft.com/office/drawing/2014/main" id="{C1435A91-F822-847B-4108-F125A9798C4D}"/>
               </a:ext>
             </a:extLst>
           </p:cNvPr>
@@ -2003,7 +2003,7 @@
           <a:bodyPr/>
           <a:lstStyle/>
           <a:p>
-            <a:fld id="{F827FF89-DC4F-4B01-A0A0-83E9B24827DC}" type="slidenum">
+            <a:fld id="{7D86FAB3-742D-43FD-9C0B-7ADDD0E8BCF1}" type="slidenum">
               <a:rPr lang="zh-CN" altLang="en-US" smtClean="0"/>
               <a:t>‹#›</a:t>
             </a:fld>
@@ -2014,7 +2014,7 @@
     </p:spTree>
     <p:extLst>
       <p:ext uri="{BB962C8B-B14F-4D97-AF65-F5344CB8AC3E}">
-        <p14:creationId xmlns:p14="http://schemas.microsoft.com/office/powerpoint/2010/main" val="183771070"/>
+        <p14:creationId xmlns:p14="http://schemas.microsoft.com/office/powerpoint/2010/main" val="2934270803"/>
       </p:ext>
     </p:extLst>
   </p:cSld>
@@ -2046,7 +2046,7 @@
           <p:cNvPr id="2" name="日期占位符 1">
             <a:extLst>
               <a:ext uri="{FF2B5EF4-FFF2-40B4-BE49-F238E27FC236}">
-                <a16:creationId xmlns:a16="http://schemas.microsoft.com/office/drawing/2014/main" id="{408CD437-A72E-8E55-2A9E-384E3379C4F3}"/>
+                <a16:creationId xmlns:a16="http://schemas.microsoft.com/office/drawing/2014/main" id="{C4A05903-40DF-CD69-6FC2-EA1FD2EEBC96}"/>
               </a:ext>
             </a:extLst>
           </p:cNvPr>
@@ -2062,7 +2062,7 @@
           <a:bodyPr/>
           <a:lstStyle/>
           <a:p>
-            <a:fld id="{957E5216-9234-4D03-9440-26AF97B18E95}" type="datetimeFigureOut">
+            <a:fld id="{B5BA9EDA-731B-43CE-BB5D-22F0BFDA8998}" type="datetimeFigureOut">
               <a:rPr lang="zh-CN" altLang="en-US" smtClean="0"/>
               <a:t>2024/3/10</a:t>
             </a:fld>
@@ -2075,7 +2075,7 @@
           <p:cNvPr id="3" name="页脚占位符 2">
             <a:extLst>
               <a:ext uri="{FF2B5EF4-FFF2-40B4-BE49-F238E27FC236}">
-                <a16:creationId xmlns:a16="http://schemas.microsoft.com/office/drawing/2014/main" id="{E306B989-4B5A-A42A-DEF6-DA3634B4BB15}"/>
+                <a16:creationId xmlns:a16="http://schemas.microsoft.com/office/drawing/2014/main" id="{543F8D55-6183-D2FD-E2E8-0A3434E12DD3}"/>
               </a:ext>
             </a:extLst>
           </p:cNvPr>
@@ -2100,7 +2100,7 @@
           <p:cNvPr id="4" name="灯片编号占位符 3">
             <a:extLst>
               <a:ext uri="{FF2B5EF4-FFF2-40B4-BE49-F238E27FC236}">
-                <a16:creationId xmlns:a16="http://schemas.microsoft.com/office/drawing/2014/main" id="{23F17B95-9879-7337-7F54-2E9BD4C25E7A}"/>
+                <a16:creationId xmlns:a16="http://schemas.microsoft.com/office/drawing/2014/main" id="{B1959C95-656A-6FB1-09D4-4E9D4A9A7A30}"/>
               </a:ext>
             </a:extLst>
           </p:cNvPr>
@@ -2116,7 +2116,7 @@
           <a:bodyPr/>
           <a:lstStyle/>
           <a:p>
-            <a:fld id="{F827FF89-DC4F-4B01-A0A0-83E9B24827DC}" type="slidenum">
+            <a:fld id="{7D86FAB3-742D-43FD-9C0B-7ADDD0E8BCF1}" type="slidenum">
               <a:rPr lang="zh-CN" altLang="en-US" smtClean="0"/>
               <a:t>‹#›</a:t>
             </a:fld>
@@ -2127,7 +2127,7 @@
     </p:spTree>
     <p:extLst>
       <p:ext uri="{BB962C8B-B14F-4D97-AF65-F5344CB8AC3E}">
-        <p14:creationId xmlns:p14="http://schemas.microsoft.com/office/powerpoint/2010/main" val="1848557042"/>
+        <p14:creationId xmlns:p14="http://schemas.microsoft.com/office/powerpoint/2010/main" val="4271451489"/>
       </p:ext>
     </p:extLst>
   </p:cSld>
@@ -2159,7 +2159,7 @@
           <p:cNvPr id="2" name="标题 1">
             <a:extLst>
               <a:ext uri="{FF2B5EF4-FFF2-40B4-BE49-F238E27FC236}">
-                <a16:creationId xmlns:a16="http://schemas.microsoft.com/office/drawing/2014/main" id="{5AAA10BB-32BA-53A4-A5D7-5B5C2DA608D2}"/>
+                <a16:creationId xmlns:a16="http://schemas.microsoft.com/office/drawing/2014/main" id="{16C53F1F-0A95-3F8A-D857-C2F468ECA76C}"/>
               </a:ext>
             </a:extLst>
           </p:cNvPr>
@@ -2196,7 +2196,7 @@
           <p:cNvPr id="3" name="内容占位符 2">
             <a:extLst>
               <a:ext uri="{FF2B5EF4-FFF2-40B4-BE49-F238E27FC236}">
-                <a16:creationId xmlns:a16="http://schemas.microsoft.com/office/drawing/2014/main" id="{451A026D-8670-EAF2-2333-1E1DBC634FE2}"/>
+                <a16:creationId xmlns:a16="http://schemas.microsoft.com/office/drawing/2014/main" id="{BCADA2D7-1F7A-0905-B88E-1DD56EC24C46}"/>
               </a:ext>
             </a:extLst>
           </p:cNvPr>
@@ -2286,7 +2286,7 @@
           <p:cNvPr id="4" name="文本占位符 3">
             <a:extLst>
               <a:ext uri="{FF2B5EF4-FFF2-40B4-BE49-F238E27FC236}">
-                <a16:creationId xmlns:a16="http://schemas.microsoft.com/office/drawing/2014/main" id="{4318098E-196E-885D-9041-1C5AB7C7353B}"/>
+                <a16:creationId xmlns:a16="http://schemas.microsoft.com/office/drawing/2014/main" id="{13D89AC1-7EF8-1C65-A947-492FCB34F219}"/>
               </a:ext>
             </a:extLst>
           </p:cNvPr>
@@ -2357,7 +2357,7 @@
           <p:cNvPr id="5" name="日期占位符 4">
             <a:extLst>
               <a:ext uri="{FF2B5EF4-FFF2-40B4-BE49-F238E27FC236}">
-                <a16:creationId xmlns:a16="http://schemas.microsoft.com/office/drawing/2014/main" id="{1D6BF077-2C25-A58E-70B7-14778E292783}"/>
+                <a16:creationId xmlns:a16="http://schemas.microsoft.com/office/drawing/2014/main" id="{3BAABD5F-95B9-75C4-0252-FE067A5C0103}"/>
               </a:ext>
             </a:extLst>
           </p:cNvPr>
@@ -2373,7 +2373,7 @@
           <a:bodyPr/>
           <a:lstStyle/>
           <a:p>
-            <a:fld id="{957E5216-9234-4D03-9440-26AF97B18E95}" type="datetimeFigureOut">
+            <a:fld id="{B5BA9EDA-731B-43CE-BB5D-22F0BFDA8998}" type="datetimeFigureOut">
               <a:rPr lang="zh-CN" altLang="en-US" smtClean="0"/>
               <a:t>2024/3/10</a:t>
             </a:fld>
@@ -2386,7 +2386,7 @@
           <p:cNvPr id="6" name="页脚占位符 5">
             <a:extLst>
               <a:ext uri="{FF2B5EF4-FFF2-40B4-BE49-F238E27FC236}">
-                <a16:creationId xmlns:a16="http://schemas.microsoft.com/office/drawing/2014/main" id="{F926513D-6393-73BC-F659-D2266220EDD4}"/>
+                <a16:creationId xmlns:a16="http://schemas.microsoft.com/office/drawing/2014/main" id="{E2B70870-4355-454C-7E1D-1752E4571274}"/>
               </a:ext>
             </a:extLst>
           </p:cNvPr>
@@ -2411,7 +2411,7 @@
           <p:cNvPr id="7" name="灯片编号占位符 6">
             <a:extLst>
               <a:ext uri="{FF2B5EF4-FFF2-40B4-BE49-F238E27FC236}">
-                <a16:creationId xmlns:a16="http://schemas.microsoft.com/office/drawing/2014/main" id="{E8BDCEDD-EF7A-0E73-0630-810FB2F7CB83}"/>
+                <a16:creationId xmlns:a16="http://schemas.microsoft.com/office/drawing/2014/main" id="{9AC717B8-A513-8CD4-ECF8-CF877698088E}"/>
               </a:ext>
             </a:extLst>
           </p:cNvPr>
@@ -2427,7 +2427,7 @@
           <a:bodyPr/>
           <a:lstStyle/>
           <a:p>
-            <a:fld id="{F827FF89-DC4F-4B01-A0A0-83E9B24827DC}" type="slidenum">
+            <a:fld id="{7D86FAB3-742D-43FD-9C0B-7ADDD0E8BCF1}" type="slidenum">
               <a:rPr lang="zh-CN" altLang="en-US" smtClean="0"/>
               <a:t>‹#›</a:t>
             </a:fld>
@@ -2438,7 +2438,7 @@
     </p:spTree>
     <p:extLst>
       <p:ext uri="{BB962C8B-B14F-4D97-AF65-F5344CB8AC3E}">
-        <p14:creationId xmlns:p14="http://schemas.microsoft.com/office/powerpoint/2010/main" val="3631066582"/>
+        <p14:creationId xmlns:p14="http://schemas.microsoft.com/office/powerpoint/2010/main" val="1369299656"/>
       </p:ext>
     </p:extLst>
   </p:cSld>
@@ -2470,7 +2470,7 @@
           <p:cNvPr id="2" name="标题 1">
             <a:extLst>
               <a:ext uri="{FF2B5EF4-FFF2-40B4-BE49-F238E27FC236}">
-                <a16:creationId xmlns:a16="http://schemas.microsoft.com/office/drawing/2014/main" id="{2A491A90-4D2C-B5FB-75FC-3EDEDFB06FDA}"/>
+                <a16:creationId xmlns:a16="http://schemas.microsoft.com/office/drawing/2014/main" id="{3DF326AB-3111-4997-DEB9-19A762869345}"/>
               </a:ext>
             </a:extLst>
           </p:cNvPr>
@@ -2507,7 +2507,7 @@
           <p:cNvPr id="3" name="图片占位符 2">
             <a:extLst>
               <a:ext uri="{FF2B5EF4-FFF2-40B4-BE49-F238E27FC236}">
-                <a16:creationId xmlns:a16="http://schemas.microsoft.com/office/drawing/2014/main" id="{CEE00130-C0CB-798E-EAA2-D2C9A5C377D0}"/>
+                <a16:creationId xmlns:a16="http://schemas.microsoft.com/office/drawing/2014/main" id="{C65F2C69-BF99-3446-A6F3-CAE00408B3D7}"/>
               </a:ext>
             </a:extLst>
           </p:cNvPr>
@@ -2574,7 +2574,7 @@
           <p:cNvPr id="4" name="文本占位符 3">
             <a:extLst>
               <a:ext uri="{FF2B5EF4-FFF2-40B4-BE49-F238E27FC236}">
-                <a16:creationId xmlns:a16="http://schemas.microsoft.com/office/drawing/2014/main" id="{636F0E02-897D-AE82-1D0E-035BC2DD89BF}"/>
+                <a16:creationId xmlns:a16="http://schemas.microsoft.com/office/drawing/2014/main" id="{7810F45F-F286-6679-925F-50F4FB46F3CF}"/>
               </a:ext>
             </a:extLst>
           </p:cNvPr>
@@ -2645,7 +2645,7 @@
           <p:cNvPr id="5" name="日期占位符 4">
             <a:extLst>
               <a:ext uri="{FF2B5EF4-FFF2-40B4-BE49-F238E27FC236}">
-                <a16:creationId xmlns:a16="http://schemas.microsoft.com/office/drawing/2014/main" id="{D2603EA3-AD69-7B8A-0FC8-4B60A903A286}"/>
+                <a16:creationId xmlns:a16="http://schemas.microsoft.com/office/drawing/2014/main" id="{26A9BF0C-2EEE-0AE5-BB54-4083F60A7277}"/>
               </a:ext>
             </a:extLst>
           </p:cNvPr>
@@ -2661,7 +2661,7 @@
           <a:bodyPr/>
           <a:lstStyle/>
           <a:p>
-            <a:fld id="{957E5216-9234-4D03-9440-26AF97B18E95}" type="datetimeFigureOut">
+            <a:fld id="{B5BA9EDA-731B-43CE-BB5D-22F0BFDA8998}" type="datetimeFigureOut">
               <a:rPr lang="zh-CN" altLang="en-US" smtClean="0"/>
               <a:t>2024/3/10</a:t>
             </a:fld>
@@ -2674,7 +2674,7 @@
           <p:cNvPr id="6" name="页脚占位符 5">
             <a:extLst>
               <a:ext uri="{FF2B5EF4-FFF2-40B4-BE49-F238E27FC236}">
-                <a16:creationId xmlns:a16="http://schemas.microsoft.com/office/drawing/2014/main" id="{E07217AC-F3CF-A6A1-C39A-7BBD22E0ED3D}"/>
+                <a16:creationId xmlns:a16="http://schemas.microsoft.com/office/drawing/2014/main" id="{AD29A4C8-721C-9433-6ACB-C80E6E0F316B}"/>
               </a:ext>
             </a:extLst>
           </p:cNvPr>
@@ -2699,7 +2699,7 @@
           <p:cNvPr id="7" name="灯片编号占位符 6">
             <a:extLst>
               <a:ext uri="{FF2B5EF4-FFF2-40B4-BE49-F238E27FC236}">
-                <a16:creationId xmlns:a16="http://schemas.microsoft.com/office/drawing/2014/main" id="{CFDC5529-EF5D-3D46-FF19-AD5C7E610BC7}"/>
+                <a16:creationId xmlns:a16="http://schemas.microsoft.com/office/drawing/2014/main" id="{D0D128A9-D322-B2ED-BF94-BE5E35769FDA}"/>
               </a:ext>
             </a:extLst>
           </p:cNvPr>
@@ -2715,7 +2715,7 @@
           <a:bodyPr/>
           <a:lstStyle/>
           <a:p>
-            <a:fld id="{F827FF89-DC4F-4B01-A0A0-83E9B24827DC}" type="slidenum">
+            <a:fld id="{7D86FAB3-742D-43FD-9C0B-7ADDD0E8BCF1}" type="slidenum">
               <a:rPr lang="zh-CN" altLang="en-US" smtClean="0"/>
               <a:t>‹#›</a:t>
             </a:fld>
@@ -2726,7 +2726,7 @@
     </p:spTree>
     <p:extLst>
       <p:ext uri="{BB962C8B-B14F-4D97-AF65-F5344CB8AC3E}">
-        <p14:creationId xmlns:p14="http://schemas.microsoft.com/office/powerpoint/2010/main" val="169422885"/>
+        <p14:creationId xmlns:p14="http://schemas.microsoft.com/office/powerpoint/2010/main" val="85384019"/>
       </p:ext>
     </p:extLst>
   </p:cSld>
@@ -2763,7 +2763,7 @@
           <p:cNvPr id="2" name="标题占位符 1">
             <a:extLst>
               <a:ext uri="{FF2B5EF4-FFF2-40B4-BE49-F238E27FC236}">
-                <a16:creationId xmlns:a16="http://schemas.microsoft.com/office/drawing/2014/main" id="{50287DFC-44DF-531D-48C8-DFF090F38ACB}"/>
+                <a16:creationId xmlns:a16="http://schemas.microsoft.com/office/drawing/2014/main" id="{60026D1E-53F1-5508-A8CA-F07598533E00}"/>
               </a:ext>
             </a:extLst>
           </p:cNvPr>
@@ -2801,7 +2801,7 @@
           <p:cNvPr id="3" name="文本占位符 2">
             <a:extLst>
               <a:ext uri="{FF2B5EF4-FFF2-40B4-BE49-F238E27FC236}">
-                <a16:creationId xmlns:a16="http://schemas.microsoft.com/office/drawing/2014/main" id="{9670EB13-A8D9-F828-6B96-F011163EECDD}"/>
+                <a16:creationId xmlns:a16="http://schemas.microsoft.com/office/drawing/2014/main" id="{40483FA2-BD29-70F3-C637-B51D61DAF656}"/>
               </a:ext>
             </a:extLst>
           </p:cNvPr>
@@ -2868,7 +2868,7 @@
           <p:cNvPr id="4" name="日期占位符 3">
             <a:extLst>
               <a:ext uri="{FF2B5EF4-FFF2-40B4-BE49-F238E27FC236}">
-                <a16:creationId xmlns:a16="http://schemas.microsoft.com/office/drawing/2014/main" id="{11EB3CBD-8034-2AB0-AC19-90C5166C57D1}"/>
+                <a16:creationId xmlns:a16="http://schemas.microsoft.com/office/drawing/2014/main" id="{A5E1B0C3-6BAF-82A1-8A83-7859195C32C8}"/>
               </a:ext>
             </a:extLst>
           </p:cNvPr>
@@ -2902,7 +2902,7 @@
             </a:lvl1pPr>
           </a:lstStyle>
           <a:p>
-            <a:fld id="{957E5216-9234-4D03-9440-26AF97B18E95}" type="datetimeFigureOut">
+            <a:fld id="{B5BA9EDA-731B-43CE-BB5D-22F0BFDA8998}" type="datetimeFigureOut">
               <a:rPr lang="zh-CN" altLang="en-US" smtClean="0"/>
               <a:t>2024/3/10</a:t>
             </a:fld>
@@ -2915,7 +2915,7 @@
           <p:cNvPr id="5" name="页脚占位符 4">
             <a:extLst>
               <a:ext uri="{FF2B5EF4-FFF2-40B4-BE49-F238E27FC236}">
-                <a16:creationId xmlns:a16="http://schemas.microsoft.com/office/drawing/2014/main" id="{CCD506C0-9B97-C28A-909C-5534F2CC1D0E}"/>
+                <a16:creationId xmlns:a16="http://schemas.microsoft.com/office/drawing/2014/main" id="{CC0B85F7-AAA2-DB4F-EFD8-B35698A04079}"/>
               </a:ext>
             </a:extLst>
           </p:cNvPr>
@@ -2958,7 +2958,7 @@
           <p:cNvPr id="6" name="灯片编号占位符 5">
             <a:extLst>
               <a:ext uri="{FF2B5EF4-FFF2-40B4-BE49-F238E27FC236}">
-                <a16:creationId xmlns:a16="http://schemas.microsoft.com/office/drawing/2014/main" id="{D2D918B9-287D-BFC0-C738-5447D1087ACE}"/>
+                <a16:creationId xmlns:a16="http://schemas.microsoft.com/office/drawing/2014/main" id="{8AFD94ED-F38B-C3A7-3B2F-4205DDD33D39}"/>
               </a:ext>
             </a:extLst>
           </p:cNvPr>
@@ -2992,7 +2992,7 @@
             </a:lvl1pPr>
           </a:lstStyle>
           <a:p>
-            <a:fld id="{F827FF89-DC4F-4B01-A0A0-83E9B24827DC}" type="slidenum">
+            <a:fld id="{7D86FAB3-742D-43FD-9C0B-7ADDD0E8BCF1}" type="slidenum">
               <a:rPr lang="zh-CN" altLang="en-US" smtClean="0"/>
               <a:t>‹#›</a:t>
             </a:fld>
@@ -3003,7 +3003,7 @@
     </p:spTree>
     <p:extLst>
       <p:ext uri="{BB962C8B-B14F-4D97-AF65-F5344CB8AC3E}">
-        <p14:creationId xmlns:p14="http://schemas.microsoft.com/office/powerpoint/2010/main" val="2912948603"/>
+        <p14:creationId xmlns:p14="http://schemas.microsoft.com/office/powerpoint/2010/main" val="1907168537"/>
       </p:ext>
     </p:extLst>
   </p:cSld>
